--- a/prez_1.pptx
+++ b/prez_1.pptx
@@ -8,7 +8,6 @@
     <p:sldId id="256" r:id="rId2"/>
     <p:sldId id="257" r:id="rId3"/>
     <p:sldId id="258" r:id="rId4"/>
-    <p:sldId id="259" r:id="rId5"/>
   </p:sldIdLst>
   <p:sldSz cx="6858000" cy="9144000" type="letter"/>
   <p:notesSz cx="9144000" cy="6858000"/>
@@ -257,7 +256,7 @@
           <a:p>
             <a:fld id="{E2F97B2B-7CFE-3642-B0A5-24EB0620E0A5}" type="datetimeFigureOut">
               <a:rPr lang="en-US" smtClean="0"/>
-              <a:t>1/23/23</a:t>
+              <a:t>1/24/23</a:t>
             </a:fld>
             <a:endParaRPr lang="en-US"/>
           </a:p>
@@ -427,7 +426,7 @@
           <a:p>
             <a:fld id="{E2F97B2B-7CFE-3642-B0A5-24EB0620E0A5}" type="datetimeFigureOut">
               <a:rPr lang="en-US" smtClean="0"/>
-              <a:t>1/23/23</a:t>
+              <a:t>1/24/23</a:t>
             </a:fld>
             <a:endParaRPr lang="en-US"/>
           </a:p>
@@ -607,7 +606,7 @@
           <a:p>
             <a:fld id="{E2F97B2B-7CFE-3642-B0A5-24EB0620E0A5}" type="datetimeFigureOut">
               <a:rPr lang="en-US" smtClean="0"/>
-              <a:t>1/23/23</a:t>
+              <a:t>1/24/23</a:t>
             </a:fld>
             <a:endParaRPr lang="en-US"/>
           </a:p>
@@ -777,7 +776,7 @@
           <a:p>
             <a:fld id="{E2F97B2B-7CFE-3642-B0A5-24EB0620E0A5}" type="datetimeFigureOut">
               <a:rPr lang="en-US" smtClean="0"/>
-              <a:t>1/23/23</a:t>
+              <a:t>1/24/23</a:t>
             </a:fld>
             <a:endParaRPr lang="en-US"/>
           </a:p>
@@ -1021,7 +1020,7 @@
           <a:p>
             <a:fld id="{E2F97B2B-7CFE-3642-B0A5-24EB0620E0A5}" type="datetimeFigureOut">
               <a:rPr lang="en-US" smtClean="0"/>
-              <a:t>1/23/23</a:t>
+              <a:t>1/24/23</a:t>
             </a:fld>
             <a:endParaRPr lang="en-US"/>
           </a:p>
@@ -1253,7 +1252,7 @@
           <a:p>
             <a:fld id="{E2F97B2B-7CFE-3642-B0A5-24EB0620E0A5}" type="datetimeFigureOut">
               <a:rPr lang="en-US" smtClean="0"/>
-              <a:t>1/23/23</a:t>
+              <a:t>1/24/23</a:t>
             </a:fld>
             <a:endParaRPr lang="en-US"/>
           </a:p>
@@ -1620,7 +1619,7 @@
           <a:p>
             <a:fld id="{E2F97B2B-7CFE-3642-B0A5-24EB0620E0A5}" type="datetimeFigureOut">
               <a:rPr lang="en-US" smtClean="0"/>
-              <a:t>1/23/23</a:t>
+              <a:t>1/24/23</a:t>
             </a:fld>
             <a:endParaRPr lang="en-US"/>
           </a:p>
@@ -1738,7 +1737,7 @@
           <a:p>
             <a:fld id="{E2F97B2B-7CFE-3642-B0A5-24EB0620E0A5}" type="datetimeFigureOut">
               <a:rPr lang="en-US" smtClean="0"/>
-              <a:t>1/23/23</a:t>
+              <a:t>1/24/23</a:t>
             </a:fld>
             <a:endParaRPr lang="en-US"/>
           </a:p>
@@ -1833,7 +1832,7 @@
           <a:p>
             <a:fld id="{E2F97B2B-7CFE-3642-B0A5-24EB0620E0A5}" type="datetimeFigureOut">
               <a:rPr lang="en-US" smtClean="0"/>
-              <a:t>1/23/23</a:t>
+              <a:t>1/24/23</a:t>
             </a:fld>
             <a:endParaRPr lang="en-US"/>
           </a:p>
@@ -2110,7 +2109,7 @@
           <a:p>
             <a:fld id="{E2F97B2B-7CFE-3642-B0A5-24EB0620E0A5}" type="datetimeFigureOut">
               <a:rPr lang="en-US" smtClean="0"/>
-              <a:t>1/23/23</a:t>
+              <a:t>1/24/23</a:t>
             </a:fld>
             <a:endParaRPr lang="en-US"/>
           </a:p>
@@ -2367,7 +2366,7 @@
           <a:p>
             <a:fld id="{E2F97B2B-7CFE-3642-B0A5-24EB0620E0A5}" type="datetimeFigureOut">
               <a:rPr lang="en-US" smtClean="0"/>
-              <a:t>1/23/23</a:t>
+              <a:t>1/24/23</a:t>
             </a:fld>
             <a:endParaRPr lang="en-US"/>
           </a:p>
@@ -2580,7 +2579,7 @@
           <a:p>
             <a:fld id="{E2F97B2B-7CFE-3642-B0A5-24EB0620E0A5}" type="datetimeFigureOut">
               <a:rPr lang="en-US" smtClean="0"/>
-              <a:t>1/23/23</a:t>
+              <a:t>1/24/23</a:t>
             </a:fld>
             <a:endParaRPr lang="en-US"/>
           </a:p>
@@ -3065,6 +3064,10 @@
             </a:r>
           </a:p>
           <a:p>
+            <a:pPr algn="l"/>
+            <a:endParaRPr lang="en-US" sz="3200" dirty="0"/>
+          </a:p>
+          <a:p>
             <a:pPr marL="857250" lvl="1" indent="-514350" algn="l">
               <a:buFont typeface="+mj-lt"/>
               <a:buAutoNum type="arabicPeriod"/>
@@ -3344,86 +3347,6 @@
     <p:extLst>
       <p:ext uri="{BB962C8B-B14F-4D97-AF65-F5344CB8AC3E}">
         <p14:creationId xmlns:p14="http://schemas.microsoft.com/office/powerpoint/2010/main" val="3370934479"/>
-      </p:ext>
-    </p:extLst>
-  </p:cSld>
-  <p:clrMapOvr>
-    <a:masterClrMapping/>
-  </p:clrMapOvr>
-</p:sld>
-</file>
-
-<file path=ppt/slides/slide4.xml><?xml version="1.0" encoding="utf-8"?>
-<p:sld xmlns:a="http://schemas.openxmlformats.org/drawingml/2006/main" xmlns:r="http://schemas.openxmlformats.org/officeDocument/2006/relationships" xmlns:p="http://schemas.openxmlformats.org/presentationml/2006/main">
-  <p:cSld>
-    <p:spTree>
-      <p:nvGrpSpPr>
-        <p:cNvPr id="1" name=""/>
-        <p:cNvGrpSpPr/>
-        <p:nvPr/>
-      </p:nvGrpSpPr>
-      <p:grpSpPr>
-        <a:xfrm>
-          <a:off x="0" y="0"/>
-          <a:ext cx="0" cy="0"/>
-          <a:chOff x="0" y="0"/>
-          <a:chExt cx="0" cy="0"/>
-        </a:xfrm>
-      </p:grpSpPr>
-      <p:sp>
-        <p:nvSpPr>
-          <p:cNvPr id="2" name="Title 1">
-            <a:extLst>
-              <a:ext uri="{FF2B5EF4-FFF2-40B4-BE49-F238E27FC236}">
-                <a16:creationId xmlns:a16="http://schemas.microsoft.com/office/drawing/2014/main" id="{8E58706A-6995-42A9-8686-6CA50D17623E}"/>
-              </a:ext>
-            </a:extLst>
-          </p:cNvPr>
-          <p:cNvSpPr>
-            <a:spLocks noGrp="1"/>
-          </p:cNvSpPr>
-          <p:nvPr>
-            <p:ph type="title"/>
-          </p:nvPr>
-        </p:nvSpPr>
-        <p:spPr/>
-        <p:txBody>
-          <a:bodyPr/>
-          <a:lstStyle/>
-          <a:p>
-            <a:endParaRPr lang="en-US"/>
-          </a:p>
-        </p:txBody>
-      </p:sp>
-      <p:sp>
-        <p:nvSpPr>
-          <p:cNvPr id="3" name="Content Placeholder 2">
-            <a:extLst>
-              <a:ext uri="{FF2B5EF4-FFF2-40B4-BE49-F238E27FC236}">
-                <a16:creationId xmlns:a16="http://schemas.microsoft.com/office/drawing/2014/main" id="{6649BA73-1400-7946-20AA-243FB053F5FB}"/>
-              </a:ext>
-            </a:extLst>
-          </p:cNvPr>
-          <p:cNvSpPr>
-            <a:spLocks noGrp="1"/>
-          </p:cNvSpPr>
-          <p:nvPr>
-            <p:ph idx="1"/>
-          </p:nvPr>
-        </p:nvSpPr>
-        <p:spPr/>
-        <p:txBody>
-          <a:bodyPr/>
-          <a:lstStyle/>
-          <a:p>
-            <a:endParaRPr lang="en-US"/>
-          </a:p>
-        </p:txBody>
-      </p:sp>
-    </p:spTree>
-    <p:extLst>
-      <p:ext uri="{BB962C8B-B14F-4D97-AF65-F5344CB8AC3E}">
-        <p14:creationId xmlns:p14="http://schemas.microsoft.com/office/powerpoint/2010/main" val="461627551"/>
       </p:ext>
     </p:extLst>
   </p:cSld>
